--- a/מצגת פרויקט צוות 19B.pptx
+++ b/מצגת פרויקט צוות 19B.pptx
@@ -11,6 +11,7 @@
     <p:sldId id="261" r:id="rId5"/>
     <p:sldId id="259" r:id="rId6"/>
     <p:sldId id="260" r:id="rId7"/>
+    <p:sldId id="263" r:id="rId8"/>
   </p:sldIdLst>
   <p:sldSz cx="12192000" cy="6858000"/>
   <p:notesSz cx="6858000" cy="9144000"/>
@@ -109,6 +110,11 @@
       </a:defRPr>
     </a:lvl9pPr>
   </p:defaultTextStyle>
+  <p:extLst>
+    <p:ext uri="{EFAFB233-063F-42B5-8137-9DF3F51BA10A}">
+      <p15:sldGuideLst xmlns:p15="http://schemas.microsoft.com/office/powerpoint/2012/main"/>
+    </p:ext>
+  </p:extLst>
 </p:presentation>
 </file>
 
@@ -3365,7 +3371,7 @@
         </p:nvSpPr>
         <p:spPr>
           <a:xfrm>
-            <a:off x="1524000" y="1385456"/>
+            <a:off x="1524000" y="714896"/>
             <a:ext cx="9144000" cy="937634"/>
           </a:xfrm>
         </p:spPr>
@@ -3406,8 +3412,8 @@
         </p:nvSpPr>
         <p:spPr>
           <a:xfrm>
-            <a:off x="1524000" y="2964728"/>
-            <a:ext cx="9144000" cy="2771053"/>
+            <a:off x="1524000" y="2034914"/>
+            <a:ext cx="9144000" cy="4497966"/>
           </a:xfrm>
         </p:spPr>
         <p:txBody>
@@ -3416,45 +3422,89 @@
           </a:bodyPr>
           <a:lstStyle/>
           <a:p>
-            <a:pPr algn="r"/>
-            <a:r>
-              <a:rPr lang="he-IL" dirty="0"/>
-              <a:t>אלי</a:t>
-            </a:r>
-          </a:p>
-          <a:p>
-            <a:pPr algn="r"/>
-            <a:r>
-              <a:rPr lang="he-IL" dirty="0"/>
-              <a:t>אלי</a:t>
-            </a:r>
-          </a:p>
-          <a:p>
-            <a:pPr algn="r"/>
-            <a:r>
-              <a:rPr lang="he-IL" dirty="0"/>
-              <a:t>אלמוג</a:t>
-            </a:r>
-          </a:p>
-          <a:p>
-            <a:pPr algn="r"/>
-            <a:r>
-              <a:rPr lang="he-IL" dirty="0"/>
-              <a:t>אלעד</a:t>
-            </a:r>
-          </a:p>
-          <a:p>
-            <a:pPr algn="r"/>
-            <a:r>
-              <a:rPr lang="he-IL" dirty="0"/>
-              <a:t>יפתח</a:t>
-            </a:r>
-          </a:p>
-          <a:p>
-            <a:pPr algn="r"/>
-            <a:r>
-              <a:rPr lang="he-IL" dirty="0"/>
-              <a:t>שאולי</a:t>
+            <a:pPr algn="r" rtl="1">
+              <a:lnSpc>
+                <a:spcPct val="150000"/>
+              </a:lnSpc>
+            </a:pPr>
+            <a:r>
+              <a:rPr lang="he-IL" dirty="0"/>
+              <a:t>אלמוג ארד 206026650</a:t>
+            </a:r>
+          </a:p>
+          <a:p>
+            <a:pPr algn="r" rtl="1">
+              <a:lnSpc>
+                <a:spcPct val="150000"/>
+              </a:lnSpc>
+            </a:pPr>
+            <a:r>
+              <a:rPr lang="he-IL" dirty="0"/>
+              <a:t>יפתח לוי 209383306</a:t>
+            </a:r>
+          </a:p>
+          <a:p>
+            <a:pPr algn="r" rtl="1">
+              <a:lnSpc>
+                <a:spcPct val="150000"/>
+              </a:lnSpc>
+            </a:pPr>
+            <a:r>
+              <a:rPr lang="he-IL" dirty="0"/>
+              <a:t>עלי בדר 318374444</a:t>
+            </a:r>
+          </a:p>
+          <a:p>
+            <a:pPr algn="r" rtl="1">
+              <a:lnSpc>
+                <a:spcPct val="150000"/>
+              </a:lnSpc>
+            </a:pPr>
+            <a:r>
+              <a:rPr lang="he-IL" dirty="0" err="1"/>
+              <a:t>ג'בארין</a:t>
+            </a:r>
+            <a:r>
+              <a:rPr lang="he-IL" dirty="0"/>
+              <a:t> עלי 318425337</a:t>
+            </a:r>
+          </a:p>
+          <a:p>
+            <a:pPr algn="r" rtl="1">
+              <a:lnSpc>
+                <a:spcPct val="150000"/>
+              </a:lnSpc>
+            </a:pPr>
+            <a:r>
+              <a:rPr lang="he-IL" dirty="0"/>
+              <a:t>אלעד </a:t>
+            </a:r>
+            <a:r>
+              <a:rPr lang="he-IL" dirty="0" err="1"/>
+              <a:t>גולדין</a:t>
+            </a:r>
+            <a:r>
+              <a:rPr lang="he-IL" dirty="0"/>
+              <a:t> 322517186</a:t>
+            </a:r>
+          </a:p>
+          <a:p>
+            <a:pPr algn="r" rtl="1">
+              <a:lnSpc>
+                <a:spcPct val="150000"/>
+              </a:lnSpc>
+            </a:pPr>
+            <a:r>
+              <a:rPr lang="he-IL" dirty="0"/>
+              <a:t>שאולי </a:t>
+            </a:r>
+            <a:r>
+              <a:rPr lang="he-IL" dirty="0" err="1"/>
+              <a:t>קירשנצוייג</a:t>
+            </a:r>
+            <a:r>
+              <a:rPr lang="he-IL" dirty="0"/>
+              <a:t> 313551905</a:t>
             </a:r>
             <a:endParaRPr lang="LID4096" dirty="0"/>
           </a:p>
@@ -3843,8 +3893,8 @@
         </p:nvSpPr>
         <p:spPr>
           <a:xfrm>
-            <a:off x="3078480" y="711200"/>
-            <a:ext cx="8148320" cy="1709571"/>
+            <a:off x="2865120" y="888433"/>
+            <a:ext cx="8392160" cy="2540567"/>
           </a:xfrm>
           <a:prstGeom prst="rect">
             <a:avLst/>
@@ -3864,7 +3914,7 @@
             </a:pPr>
             <a:r>
               <a:rPr lang="he-IL" dirty="0"/>
-              <a:t>ניתן ליצור משימות ולתייג אותן לחברי צוות מסוימים, לסווגן בתור פתירת באג, דוקומנטציה וכדומה</a:t>
+              <a:t>ניתן ליצור משימות ולתייג אותן לחברי צוות מסוימים, לסווגן בתור פתירת באג, דוקומנטציה וכדומה.</a:t>
             </a:r>
           </a:p>
           <a:p>
@@ -3883,7 +3933,7 @@
             </a:r>
             <a:r>
               <a:rPr lang="he-IL" dirty="0"/>
-              <a:t>, להם מוגדרים תאריך סיום, שם ותיאור</a:t>
+              <a:t>, להם מוגדרים תאריך סיום, שם ותיאור.</a:t>
             </a:r>
           </a:p>
           <a:p>
@@ -3910,7 +3960,39 @@
             </a:r>
             <a:r>
               <a:rPr lang="he-IL" dirty="0"/>
-              <a:t> המופיע למטה</a:t>
+              <a:t> המופיע מטה.</a:t>
+            </a:r>
+            <a:endParaRPr lang="en-US" dirty="0"/>
+          </a:p>
+          <a:p>
+            <a:pPr algn="r" rtl="1">
+              <a:lnSpc>
+                <a:spcPct val="150000"/>
+              </a:lnSpc>
+            </a:pPr>
+            <a:r>
+              <a:rPr lang="he-IL" dirty="0"/>
+              <a:t>ניתן אליו לצרף גם קטעי קוד ומסמכים ולקשר אליו </a:t>
+            </a:r>
+            <a:r>
+              <a:rPr lang="en-US" dirty="0"/>
+              <a:t>Pull requests</a:t>
+            </a:r>
+            <a:r>
+              <a:rPr lang="he-IL" dirty="0"/>
+              <a:t> (מוסבר בהמשך) כדי להתאים בין דרישה לקוד או מסמך ואף ניתן לגשת לקוד עצמו דרך ה </a:t>
+            </a:r>
+            <a:r>
+              <a:rPr lang="en-US" dirty="0"/>
+              <a:t>issue</a:t>
+            </a:r>
+            <a:r>
+              <a:rPr lang="he-IL" dirty="0"/>
+              <a:t> ולהפך ב-</a:t>
+            </a:r>
+            <a:r>
+              <a:rPr lang="en-US" dirty="0"/>
+              <a:t>GitHub</a:t>
             </a:r>
             <a:endParaRPr lang="LID4096" dirty="0"/>
           </a:p>
@@ -3938,7 +4020,7 @@
         </p:blipFill>
         <p:spPr>
           <a:xfrm>
-            <a:off x="275740" y="3583375"/>
+            <a:off x="346860" y="4579733"/>
             <a:ext cx="11498280" cy="771633"/>
           </a:xfrm>
           <a:prstGeom prst="rect">
@@ -4176,10 +4258,296 @@
           <a:chExt cx="0" cy="0"/>
         </a:xfrm>
       </p:grpSpPr>
+      <p:pic>
+        <p:nvPicPr>
+          <p:cNvPr id="4" name="Picture 3">
+            <a:extLst>
+              <a:ext uri="{FF2B5EF4-FFF2-40B4-BE49-F238E27FC236}">
+                <a16:creationId xmlns:a16="http://schemas.microsoft.com/office/drawing/2014/main" id="{3715E59D-448A-44F7-9576-52031FFA6B3D}"/>
+              </a:ext>
+            </a:extLst>
+          </p:cNvPr>
+          <p:cNvPicPr>
+            <a:picLocks noChangeAspect="1"/>
+          </p:cNvPicPr>
+          <p:nvPr/>
+        </p:nvPicPr>
+        <p:blipFill>
+          <a:blip r:embed="rId2"/>
+          <a:stretch>
+            <a:fillRect/>
+          </a:stretch>
+        </p:blipFill>
+        <p:spPr>
+          <a:xfrm>
+            <a:off x="2437889" y="4592713"/>
+            <a:ext cx="7316221" cy="657317"/>
+          </a:xfrm>
+          <a:prstGeom prst="rect">
+            <a:avLst/>
+          </a:prstGeom>
+        </p:spPr>
+      </p:pic>
+      <p:sp>
+        <p:nvSpPr>
+          <p:cNvPr id="5" name="TextBox 4">
+            <a:extLst>
+              <a:ext uri="{FF2B5EF4-FFF2-40B4-BE49-F238E27FC236}">
+                <a16:creationId xmlns:a16="http://schemas.microsoft.com/office/drawing/2014/main" id="{679C7F1F-44D6-4969-91F8-7696581188A9}"/>
+              </a:ext>
+            </a:extLst>
+          </p:cNvPr>
+          <p:cNvSpPr txBox="1"/>
+          <p:nvPr/>
+        </p:nvSpPr>
+        <p:spPr>
+          <a:xfrm>
+            <a:off x="2681729" y="888433"/>
+            <a:ext cx="8393181" cy="2540567"/>
+          </a:xfrm>
+          <a:prstGeom prst="rect">
+            <a:avLst/>
+          </a:prstGeom>
+          <a:noFill/>
+        </p:spPr>
+        <p:txBody>
+          <a:bodyPr wrap="square" rtlCol="0">
+            <a:spAutoFit/>
+          </a:bodyPr>
+          <a:lstStyle/>
+          <a:p>
+            <a:pPr algn="r" rtl="1">
+              <a:lnSpc>
+                <a:spcPct val="150000"/>
+              </a:lnSpc>
+            </a:pPr>
+            <a:r>
+              <a:rPr lang="he-IL" dirty="0"/>
+              <a:t>ניתן ב-</a:t>
+            </a:r>
+            <a:r>
+              <a:rPr lang="en-US" dirty="0"/>
+              <a:t>GitHub</a:t>
+            </a:r>
+            <a:r>
+              <a:rPr lang="he-IL" dirty="0"/>
+              <a:t> להגדיר צוותים וארגונים בהם ניתן להקצות סמכויות ותפקידים לאנשים, להקצות משימות ולעקוב אחרי התקדמות משימות ספציפיות והפרויקט ככלל.</a:t>
+            </a:r>
+          </a:p>
+          <a:p>
+            <a:pPr algn="r" rtl="1">
+              <a:lnSpc>
+                <a:spcPct val="150000"/>
+              </a:lnSpc>
+            </a:pPr>
+            <a:r>
+              <a:rPr lang="he-IL" dirty="0"/>
+              <a:t>ניתן להדיר צוותים בארגון ותתי צוותים בתוך צוות למשל במקרה בו כמה אנשים מאותו הצוות צריכים לעבוד על אותה המטלה.</a:t>
+            </a:r>
+          </a:p>
+          <a:p>
+            <a:pPr algn="r" rtl="1">
+              <a:lnSpc>
+                <a:spcPct val="150000"/>
+              </a:lnSpc>
+            </a:pPr>
+            <a:r>
+              <a:rPr lang="he-IL" dirty="0"/>
+              <a:t>בכל צוות ניתן גם להגדיר מנהל צוות, אותו ניתן לשנות בכל זמן ולו סמכויות של הטלת משימות, ניהול הצוות, צפייה בהתקדמות מטלות חברי הצוות וכדומה.</a:t>
+            </a:r>
+            <a:endParaRPr lang="LID4096" dirty="0"/>
+          </a:p>
+        </p:txBody>
+      </p:sp>
     </p:spTree>
     <p:extLst>
       <p:ext uri="{BB962C8B-B14F-4D97-AF65-F5344CB8AC3E}">
         <p14:creationId xmlns:p14="http://schemas.microsoft.com/office/powerpoint/2010/main" val="2030439945"/>
+      </p:ext>
+    </p:extLst>
+  </p:cSld>
+  <p:clrMapOvr>
+    <a:masterClrMapping/>
+  </p:clrMapOvr>
+</p:sld>
+</file>
+
+<file path=ppt/slides/slide7.xml><?xml version="1.0" encoding="utf-8"?>
+<p:sld xmlns:a="http://schemas.openxmlformats.org/drawingml/2006/main" xmlns:r="http://schemas.openxmlformats.org/officeDocument/2006/relationships" xmlns:p="http://schemas.openxmlformats.org/presentationml/2006/main">
+  <p:cSld>
+    <p:spTree>
+      <p:nvGrpSpPr>
+        <p:cNvPr id="1" name=""/>
+        <p:cNvGrpSpPr/>
+        <p:nvPr/>
+      </p:nvGrpSpPr>
+      <p:grpSpPr>
+        <a:xfrm>
+          <a:off x="0" y="0"/>
+          <a:ext cx="0" cy="0"/>
+          <a:chOff x="0" y="0"/>
+          <a:chExt cx="0" cy="0"/>
+        </a:xfrm>
+      </p:grpSpPr>
+      <p:sp>
+        <p:nvSpPr>
+          <p:cNvPr id="2" name="TextBox 1">
+            <a:extLst>
+              <a:ext uri="{FF2B5EF4-FFF2-40B4-BE49-F238E27FC236}">
+                <a16:creationId xmlns:a16="http://schemas.microsoft.com/office/drawing/2014/main" id="{9078831F-010E-4B69-9942-08F443361CB6}"/>
+              </a:ext>
+            </a:extLst>
+          </p:cNvPr>
+          <p:cNvSpPr txBox="1"/>
+          <p:nvPr/>
+        </p:nvSpPr>
+        <p:spPr>
+          <a:xfrm>
+            <a:off x="2964930" y="284480"/>
+            <a:ext cx="8503920" cy="3371564"/>
+          </a:xfrm>
+          <a:prstGeom prst="rect">
+            <a:avLst/>
+          </a:prstGeom>
+          <a:noFill/>
+        </p:spPr>
+        <p:txBody>
+          <a:bodyPr wrap="square" rtlCol="0">
+            <a:spAutoFit/>
+          </a:bodyPr>
+          <a:lstStyle/>
+          <a:p>
+            <a:pPr algn="r" rtl="1">
+              <a:lnSpc>
+                <a:spcPct val="150000"/>
+              </a:lnSpc>
+            </a:pPr>
+            <a:r>
+              <a:rPr lang="he-IL" dirty="0"/>
+              <a:t>ניתן להגדיר </a:t>
+            </a:r>
+            <a:r>
+              <a:rPr lang="en-US" dirty="0"/>
+              <a:t>Pull requests</a:t>
+            </a:r>
+            <a:r>
+              <a:rPr lang="he-IL" dirty="0"/>
+              <a:t> לאחר העלאת עדכונים ל</a:t>
+            </a:r>
+            <a:r>
+              <a:rPr lang="en-US" dirty="0"/>
+              <a:t>repository</a:t>
+            </a:r>
+            <a:r>
+              <a:rPr lang="he-IL" dirty="0"/>
+              <a:t> בו ניתן לפרט מה שונה כדי שחברי צוות אחרים יוכלו לראות את השינויים שנעשות ואת ההערות של חבר הצוות שביצע את השינויים. חברי צוות אחרים יכולים לראות את השינויים, לבקר אותם ולהגיב לפי הצורך, ניתן אפילו לתת הערות לגבי שורות ספציפיות ששונו.</a:t>
+            </a:r>
+          </a:p>
+          <a:p>
+            <a:pPr algn="r" rtl="1">
+              <a:lnSpc>
+                <a:spcPct val="150000"/>
+              </a:lnSpc>
+            </a:pPr>
+            <a:r>
+              <a:rPr lang="he-IL" dirty="0"/>
+              <a:t>בנוסף לכך, בכל </a:t>
+            </a:r>
+            <a:r>
+              <a:rPr lang="en-US" dirty="0"/>
+              <a:t>commit</a:t>
+            </a:r>
+            <a:r>
+              <a:rPr lang="he-IL" dirty="0"/>
+              <a:t> שנעשה ע"י חברי צוות ניתן ליראות אילו קטעי קוד שונו, אילו נמחקו ואילו לא שונו כלל. כמו כן ניתן לראות אליו קבצים שונו או נמחקו.</a:t>
+            </a:r>
+          </a:p>
+          <a:p>
+            <a:pPr algn="r" rtl="1">
+              <a:lnSpc>
+                <a:spcPct val="150000"/>
+              </a:lnSpc>
+            </a:pPr>
+            <a:r>
+              <a:rPr lang="he-IL" dirty="0"/>
+              <a:t>ניתן גם בכל זמן לראות את היסטורית השינויים, מה שונה מתי, באיזה גרסה או </a:t>
+            </a:r>
+            <a:r>
+              <a:rPr lang="en-US" dirty="0"/>
+              <a:t>commit</a:t>
+            </a:r>
+            <a:r>
+              <a:rPr lang="he-IL" dirty="0"/>
+              <a:t> ומי ביצע את השינוי.</a:t>
+            </a:r>
+            <a:endParaRPr lang="LID4096" dirty="0"/>
+          </a:p>
+        </p:txBody>
+      </p:sp>
+      <p:pic>
+        <p:nvPicPr>
+          <p:cNvPr id="4" name="Picture 3">
+            <a:extLst>
+              <a:ext uri="{FF2B5EF4-FFF2-40B4-BE49-F238E27FC236}">
+                <a16:creationId xmlns:a16="http://schemas.microsoft.com/office/drawing/2014/main" id="{310298FE-677A-45F4-A3AD-B8D5D8CAFC41}"/>
+              </a:ext>
+            </a:extLst>
+          </p:cNvPr>
+          <p:cNvPicPr>
+            <a:picLocks noChangeAspect="1"/>
+          </p:cNvPicPr>
+          <p:nvPr/>
+        </p:nvPicPr>
+        <p:blipFill>
+          <a:blip r:embed="rId2"/>
+          <a:stretch>
+            <a:fillRect/>
+          </a:stretch>
+        </p:blipFill>
+        <p:spPr>
+          <a:xfrm>
+            <a:off x="6096000" y="3905316"/>
+            <a:ext cx="5372850" cy="2829320"/>
+          </a:xfrm>
+          <a:prstGeom prst="rect">
+            <a:avLst/>
+          </a:prstGeom>
+        </p:spPr>
+      </p:pic>
+      <p:pic>
+        <p:nvPicPr>
+          <p:cNvPr id="6" name="Picture 5">
+            <a:extLst>
+              <a:ext uri="{FF2B5EF4-FFF2-40B4-BE49-F238E27FC236}">
+                <a16:creationId xmlns:a16="http://schemas.microsoft.com/office/drawing/2014/main" id="{60B6E098-E9D9-4812-9903-C0474EFE799F}"/>
+              </a:ext>
+            </a:extLst>
+          </p:cNvPr>
+          <p:cNvPicPr>
+            <a:picLocks noChangeAspect="1"/>
+          </p:cNvPicPr>
+          <p:nvPr/>
+        </p:nvPicPr>
+        <p:blipFill>
+          <a:blip r:embed="rId3"/>
+          <a:stretch>
+            <a:fillRect/>
+          </a:stretch>
+        </p:blipFill>
+        <p:spPr>
+          <a:xfrm>
+            <a:off x="264639" y="3429000"/>
+            <a:ext cx="5506218" cy="3305636"/>
+          </a:xfrm>
+          <a:prstGeom prst="rect">
+            <a:avLst/>
+          </a:prstGeom>
+        </p:spPr>
+      </p:pic>
+    </p:spTree>
+    <p:extLst>
+      <p:ext uri="{BB962C8B-B14F-4D97-AF65-F5344CB8AC3E}">
+        <p14:creationId xmlns:p14="http://schemas.microsoft.com/office/powerpoint/2010/main" val="3819296777"/>
       </p:ext>
     </p:extLst>
   </p:cSld>
